--- a/1.設計書/ルックアップゲート/nambu_work/モデル図_20170805.pptx
+++ b/1.設計書/ルックアップゲート/nambu_work/モデル図_20170805.pptx
@@ -18960,124 +18960,6 @@
       </p:graphicFrame>
       <p:sp>
         <p:nvSpPr>
-          <p:cNvPr id="6" name="テキスト ボックス 5"/>
-          <p:cNvSpPr txBox="1"/>
-          <p:nvPr/>
-        </p:nvSpPr>
-        <p:spPr>
-          <a:xfrm>
-            <a:off x="8900864" y="311986"/>
-            <a:ext cx="3525324" cy="923330"/>
-          </a:xfrm>
-          <a:prstGeom prst="rect">
-            <a:avLst/>
-          </a:prstGeom>
-          <a:noFill/>
-        </p:spPr>
-        <p:txBody>
-          <a:bodyPr wrap="none" rtlCol="0">
-            <a:spAutoFit/>
-          </a:bodyPr>
-          <a:lstStyle/>
-          <a:p>
-            <a:r>
-              <a:rPr kumimoji="1" lang="ja-JP" altLang="en-US" dirty="0" smtClean="0"/>
-              <a:t>南部メモ</a:t>
-            </a:r>
-            <a:endParaRPr kumimoji="1" lang="en-US" altLang="ja-JP" dirty="0" smtClean="0"/>
-          </a:p>
-          <a:p>
-            <a:r>
-              <a:rPr lang="ja-JP" altLang="en-US" dirty="0" smtClean="0"/>
-              <a:t>生データ</a:t>
-            </a:r>
-            <a:endParaRPr lang="en-US" altLang="ja-JP" dirty="0" smtClean="0"/>
-          </a:p>
-          <a:p>
-            <a:r>
-              <a:rPr lang="ja-JP" altLang="en-US" dirty="0" smtClean="0"/>
-              <a:t>前回値との差分はのせるべきか？</a:t>
-            </a:r>
-            <a:endParaRPr lang="en-US" altLang="ja-JP" dirty="0" smtClean="0"/>
-          </a:p>
-        </p:txBody>
-      </p:sp>
-      <p:sp>
-        <p:nvSpPr>
-          <p:cNvPr id="7" name="テキスト ボックス 6"/>
-          <p:cNvSpPr txBox="1"/>
-          <p:nvPr/>
-        </p:nvSpPr>
-        <p:spPr>
-          <a:xfrm>
-            <a:off x="8604448" y="1412776"/>
-            <a:ext cx="4823756" cy="1015663"/>
-          </a:xfrm>
-          <a:prstGeom prst="rect">
-            <a:avLst/>
-          </a:prstGeom>
-          <a:noFill/>
-        </p:spPr>
-        <p:txBody>
-          <a:bodyPr wrap="none" rtlCol="0">
-            <a:spAutoFit/>
-          </a:bodyPr>
-          <a:lstStyle/>
-          <a:p>
-            <a:r>
-              <a:rPr lang="ja-JP" altLang="en-US" sz="1200" dirty="0" smtClean="0"/>
-              <a:t>南部メモ</a:t>
-            </a:r>
-            <a:endParaRPr lang="en-US" altLang="ja-JP" sz="1200" dirty="0" smtClean="0"/>
-          </a:p>
-          <a:p>
-            <a:r>
-              <a:rPr lang="en-US" altLang="ja-JP" sz="1200" dirty="0" smtClean="0"/>
-              <a:t>1</a:t>
-            </a:r>
-            <a:r>
-              <a:rPr lang="ja-JP" altLang="en-US" sz="1200" dirty="0" smtClean="0"/>
-              <a:t>段目衝突</a:t>
-            </a:r>
-            <a:endParaRPr lang="en-US" altLang="ja-JP" sz="1200" dirty="0" smtClean="0"/>
-          </a:p>
-          <a:p>
-            <a:r>
-              <a:rPr kumimoji="1" lang="ja-JP" altLang="en-US" sz="1200" dirty="0" smtClean="0"/>
-              <a:t>前回値との差分が大きいと差分と判断する</a:t>
-            </a:r>
-            <a:endParaRPr kumimoji="1" lang="en-US" altLang="ja-JP" sz="1200" dirty="0" smtClean="0"/>
-          </a:p>
-          <a:p>
-            <a:r>
-              <a:rPr lang="en-US" altLang="ja-JP" sz="1200" dirty="0" smtClean="0"/>
-              <a:t>1</a:t>
-            </a:r>
-            <a:r>
-              <a:rPr lang="ja-JP" altLang="en-US" sz="1200" dirty="0" smtClean="0"/>
-              <a:t>段目衝突後、センサの取得値が一定期間触れ幅が小さい→フロア検知</a:t>
-            </a:r>
-            <a:endParaRPr lang="en-US" altLang="ja-JP" sz="1200" dirty="0" smtClean="0"/>
-          </a:p>
-          <a:p>
-            <a:r>
-              <a:rPr kumimoji="1" lang="ja-JP" altLang="en-US" sz="1200" dirty="0" smtClean="0"/>
-              <a:t>再びジャイロセンサの値が大きくゆれる→</a:t>
-            </a:r>
-            <a:r>
-              <a:rPr kumimoji="1" lang="en-US" altLang="ja-JP" sz="1200" dirty="0" smtClean="0"/>
-              <a:t>2</a:t>
-            </a:r>
-            <a:r>
-              <a:rPr kumimoji="1" lang="ja-JP" altLang="en-US" sz="1200" dirty="0" smtClean="0"/>
-              <a:t>段目衝突</a:t>
-            </a:r>
-            <a:endParaRPr kumimoji="1" lang="en-US" altLang="ja-JP" sz="1200" dirty="0" smtClean="0"/>
-          </a:p>
-        </p:txBody>
-      </p:sp>
-      <p:sp>
-        <p:nvSpPr>
           <p:cNvPr id="8" name="正方形/長方形 7"/>
           <p:cNvSpPr/>
           <p:nvPr/>
@@ -19130,8 +19012,42 @@
         </p:nvSpPr>
         <p:spPr>
           <a:xfrm>
-            <a:off x="120218" y="4570675"/>
-            <a:ext cx="1210588" cy="400110"/>
+            <a:off x="107504" y="4625261"/>
+            <a:ext cx="1224136" cy="400110"/>
+          </a:xfrm>
+          <a:prstGeom prst="rect">
+            <a:avLst/>
+          </a:prstGeom>
+          <a:noFill/>
+        </p:spPr>
+        <p:txBody>
+          <a:bodyPr wrap="square" rtlCol="0">
+            <a:spAutoFit/>
+          </a:bodyPr>
+          <a:lstStyle/>
+          <a:p>
+            <a:r>
+              <a:rPr lang="ja-JP" altLang="en-US" sz="2000" b="1" dirty="0" smtClean="0"/>
+              <a:t>設計</a:t>
+            </a:r>
+            <a:r>
+              <a:rPr lang="ja-JP" altLang="en-US" sz="2000" b="1" dirty="0" smtClean="0"/>
+              <a:t>指針</a:t>
+            </a:r>
+            <a:endParaRPr lang="en-US" altLang="ja-JP" sz="2000" b="1" dirty="0" smtClean="0"/>
+          </a:p>
+        </p:txBody>
+      </p:sp>
+      <p:sp>
+        <p:nvSpPr>
+          <p:cNvPr id="11" name="テキスト ボックス 10"/>
+          <p:cNvSpPr txBox="1"/>
+          <p:nvPr/>
+        </p:nvSpPr>
+        <p:spPr>
+          <a:xfrm>
+            <a:off x="345532" y="5015821"/>
+            <a:ext cx="8393644" cy="1477328"/>
           </a:xfrm>
           <a:prstGeom prst="rect">
             <a:avLst/>
@@ -19144,67 +19060,51 @@
           </a:bodyPr>
           <a:lstStyle/>
           <a:p>
+            <a:pPr marL="285750" indent="-285750">
+              <a:buFont typeface="Arial" panose="020B0604020202020204" pitchFamily="34" charset="0"/>
+              <a:buChar char="•"/>
+            </a:pPr>
             <a:r>
-              <a:rPr lang="ja-JP" altLang="en-US" sz="2000" dirty="0" smtClean="0"/>
-              <a:t>設計</a:t>
+              <a:rPr lang="ja-JP" altLang="en-US" dirty="0" smtClean="0"/>
+              <a:t>別々の速度で階段を登った際のジャイロ角速度センサー値を示しています。</a:t>
             </a:r>
-            <a:r>
-              <a:rPr lang="ja-JP" altLang="en-US" sz="2000" dirty="0"/>
-              <a:t>指針</a:t>
-            </a:r>
-            <a:endParaRPr kumimoji="1" lang="ja-JP" altLang="en-US" sz="2000" dirty="0"/>
-          </a:p>
-        </p:txBody>
-      </p:sp>
-      <p:sp>
-        <p:nvSpPr>
-          <p:cNvPr id="10" name="テキスト ボックス 9"/>
-          <p:cNvSpPr txBox="1"/>
-          <p:nvPr/>
-        </p:nvSpPr>
-        <p:spPr>
-          <a:xfrm>
-            <a:off x="120218" y="5532911"/>
-            <a:ext cx="9966190" cy="646331"/>
-          </a:xfrm>
-          <a:prstGeom prst="rect">
-            <a:avLst/>
-          </a:prstGeom>
-          <a:noFill/>
-        </p:spPr>
-        <p:txBody>
-          <a:bodyPr wrap="none" rtlCol="0">
-            <a:spAutoFit/>
-          </a:bodyPr>
-          <a:lstStyle/>
-          <a:p>
-            <a:r>
-              <a:rPr lang="ja-JP" altLang="en-US" sz="1200" dirty="0" smtClean="0"/>
-              <a:t>南部メモ</a:t>
-            </a:r>
-            <a:r>
-              <a:rPr lang="ja-JP" altLang="en-US" sz="1200" dirty="0"/>
-              <a:t>　</a:t>
-            </a:r>
-            <a:r>
-              <a:rPr lang="ja-JP" altLang="en-US" sz="1200" dirty="0" smtClean="0"/>
-              <a:t>設計指針の項目で記載したいこと</a:t>
-            </a:r>
-            <a:endParaRPr lang="en-US" altLang="ja-JP" sz="1200" dirty="0" smtClean="0"/>
+            <a:endParaRPr lang="en-US" altLang="ja-JP" dirty="0" smtClean="0"/>
           </a:p>
           <a:p>
             <a:r>
-              <a:rPr lang="ja-JP" altLang="en-US" sz="1200" dirty="0" smtClean="0"/>
-              <a:t>・グラフの説明</a:t>
+              <a:rPr lang="ja-JP" altLang="en-US" dirty="0"/>
+              <a:t>階段</a:t>
             </a:r>
-            <a:endParaRPr lang="en-US" altLang="ja-JP" sz="1200" dirty="0" smtClean="0"/>
+            <a:r>
+              <a:rPr lang="ja-JP" altLang="en-US" dirty="0" smtClean="0"/>
+              <a:t>に衝突した際に大きくセンサー値が揺れ、登りきった後にゆれ幅が一定の範囲で</a:t>
+            </a:r>
+            <a:endParaRPr lang="en-US" altLang="ja-JP" dirty="0" smtClean="0"/>
           </a:p>
           <a:p>
             <a:r>
-              <a:rPr lang="ja-JP" altLang="en-US" sz="1200" dirty="0" smtClean="0"/>
-              <a:t>・測定結果から、どのような設計方針にしたかを記載（階段内でのステータスの遷移、遷移する条件：直前値と比較して、その差分を見て判定する？など）</a:t>
+              <a:rPr lang="ja-JP" altLang="en-US" dirty="0" smtClean="0"/>
+              <a:t>落ち着くことに着目しました。</a:t>
             </a:r>
-            <a:endParaRPr lang="en-US" altLang="ja-JP" sz="1200" dirty="0" smtClean="0"/>
+            <a:endParaRPr lang="en-US" altLang="ja-JP" dirty="0" smtClean="0"/>
+          </a:p>
+          <a:p>
+            <a:pPr marL="285750" indent="-285750">
+              <a:buFont typeface="Arial" panose="020B0604020202020204" pitchFamily="34" charset="0"/>
+              <a:buChar char="•"/>
+            </a:pPr>
+            <a:r>
+              <a:rPr lang="ja-JP" altLang="en-US" dirty="0" smtClean="0"/>
+              <a:t>ロボットのいる階をステータスとして管理し、実験データを基に適切なタイミング、</a:t>
+            </a:r>
+            <a:endParaRPr lang="en-US" altLang="ja-JP" dirty="0" smtClean="0"/>
+          </a:p>
+          <a:p>
+            <a:r>
+              <a:rPr lang="ja-JP" altLang="en-US" dirty="0" smtClean="0"/>
+              <a:t>ポジションでステータス移行できるようにしました。</a:t>
+            </a:r>
+            <a:endParaRPr kumimoji="1" lang="ja-JP" altLang="en-US" dirty="0"/>
           </a:p>
         </p:txBody>
       </p:sp>
@@ -19376,15 +19276,7 @@
           <a:p>
             <a:r>
               <a:rPr kumimoji="1" lang="ja-JP" altLang="en-US" sz="1200" dirty="0" smtClean="0"/>
-              <a:t>ターゲットとしている階段の構造</a:t>
-            </a:r>
-            <a:r>
-              <a:rPr kumimoji="1" lang="ja-JP" altLang="en-US" sz="1200" dirty="0" smtClean="0"/>
-              <a:t>を示す</a:t>
-            </a:r>
-            <a:r>
-              <a:rPr kumimoji="1" lang="ja-JP" altLang="en-US" sz="1200" dirty="0" smtClean="0"/>
-              <a:t>。</a:t>
+              <a:t>ターゲットとしている階段の構造を示す。</a:t>
             </a:r>
             <a:endParaRPr kumimoji="1" lang="ja-JP" altLang="en-US" sz="1200" dirty="0"/>
           </a:p>
@@ -19694,11 +19586,7 @@
             </a:r>
             <a:r>
               <a:rPr lang="ja-JP" altLang="en-US" sz="2000" dirty="0" smtClean="0"/>
-              <a:t>状態</a:t>
-            </a:r>
-            <a:r>
-              <a:rPr lang="ja-JP" altLang="en-US" sz="2000" dirty="0" smtClean="0"/>
-              <a:t>遷移</a:t>
+              <a:t>状態遷移</a:t>
             </a:r>
             <a:endParaRPr kumimoji="1" lang="ja-JP" altLang="en-US" sz="2000" dirty="0"/>
           </a:p>
@@ -19907,6 +19795,62 @@
           </a:prstGeom>
         </p:spPr>
       </p:pic>
+      <p:sp>
+        <p:nvSpPr>
+          <p:cNvPr id="2" name="テキスト ボックス 1"/>
+          <p:cNvSpPr txBox="1"/>
+          <p:nvPr/>
+        </p:nvSpPr>
+        <p:spPr>
+          <a:xfrm>
+            <a:off x="3251216" y="1440145"/>
+            <a:ext cx="2252540" cy="461665"/>
+          </a:xfrm>
+          <a:prstGeom prst="rect">
+            <a:avLst/>
+          </a:prstGeom>
+          <a:solidFill>
+            <a:schemeClr val="accent6">
+              <a:lumMod val="20000"/>
+              <a:lumOff val="80000"/>
+            </a:schemeClr>
+          </a:solidFill>
+        </p:spPr>
+        <p:style>
+          <a:lnRef idx="2">
+            <a:schemeClr val="accent2"/>
+          </a:lnRef>
+          <a:fillRef idx="1">
+            <a:schemeClr val="lt1"/>
+          </a:fillRef>
+          <a:effectRef idx="0">
+            <a:schemeClr val="accent2"/>
+          </a:effectRef>
+          <a:fontRef idx="minor">
+            <a:schemeClr val="dk1"/>
+          </a:fontRef>
+        </p:style>
+        <p:txBody>
+          <a:bodyPr wrap="none" rtlCol="0">
+            <a:spAutoFit/>
+          </a:bodyPr>
+          <a:lstStyle/>
+          <a:p>
+            <a:r>
+              <a:rPr kumimoji="1" lang="ja-JP" altLang="en-US" sz="1200" dirty="0" smtClean="0"/>
+              <a:t>階層のステータスと各階層での</a:t>
+            </a:r>
+            <a:endParaRPr kumimoji="1" lang="en-US" altLang="ja-JP" sz="1200" dirty="0" smtClean="0"/>
+          </a:p>
+          <a:p>
+            <a:r>
+              <a:rPr lang="ja-JP" altLang="en-US" sz="1200" dirty="0" smtClean="0"/>
+              <a:t>動作を示すステータスです。</a:t>
+            </a:r>
+            <a:endParaRPr kumimoji="1" lang="ja-JP" altLang="en-US" sz="1200" dirty="0"/>
+          </a:p>
+        </p:txBody>
+      </p:sp>
     </p:spTree>
   </p:cSld>
   <p:clrMapOvr>
@@ -20006,11 +19950,7 @@
             </a:r>
             <a:r>
               <a:rPr lang="ja-JP" altLang="en-US" sz="2000" dirty="0" smtClean="0"/>
-              <a:t>ステータス</a:t>
-            </a:r>
-            <a:r>
-              <a:rPr lang="ja-JP" altLang="en-US" sz="2000" dirty="0" smtClean="0"/>
-              <a:t>ごとの処理概要</a:t>
+              <a:t>ステータスごとの処理概要</a:t>
             </a:r>
             <a:endParaRPr kumimoji="1" lang="ja-JP" altLang="en-US" sz="2000" dirty="0"/>
           </a:p>
@@ -20018,7 +19958,7 @@
       </p:sp>
       <p:pic>
         <p:nvPicPr>
-          <p:cNvPr id="10" name="図 9"/>
+          <p:cNvPr id="27" name="図 26"/>
           <p:cNvPicPr>
             <a:picLocks noChangeAspect="1"/>
           </p:cNvPicPr>
@@ -20038,17 +19978,93 @@
         </p:blipFill>
         <p:spPr>
           <a:xfrm>
-            <a:off x="395536" y="881968"/>
-            <a:ext cx="4047771" cy="5787392"/>
+            <a:off x="4459356" y="873292"/>
+            <a:ext cx="4517947" cy="5804744"/>
           </a:xfrm>
           <a:prstGeom prst="rect">
             <a:avLst/>
           </a:prstGeom>
         </p:spPr>
       </p:pic>
+      <p:sp>
+        <p:nvSpPr>
+          <p:cNvPr id="2" name="テキスト ボックス 1"/>
+          <p:cNvSpPr txBox="1"/>
+          <p:nvPr/>
+        </p:nvSpPr>
+        <p:spPr>
+          <a:xfrm>
+            <a:off x="531437" y="516104"/>
+            <a:ext cx="3538148" cy="369332"/>
+          </a:xfrm>
+          <a:prstGeom prst="rect">
+            <a:avLst/>
+          </a:prstGeom>
+          <a:noFill/>
+        </p:spPr>
+        <p:txBody>
+          <a:bodyPr wrap="none" rtlCol="0">
+            <a:spAutoFit/>
+          </a:bodyPr>
+          <a:lstStyle/>
+          <a:p>
+            <a:pPr marL="285750" indent="-285750">
+              <a:buFont typeface="Wingdings" panose="05000000000000000000" pitchFamily="2" charset="2"/>
+              <a:buChar char="u"/>
+            </a:pPr>
+            <a:r>
+              <a:rPr kumimoji="1" lang="ja-JP" altLang="en-US" dirty="0" smtClean="0"/>
+              <a:t>パッシブの動作と走行角度調整</a:t>
+            </a:r>
+            <a:endParaRPr kumimoji="1" lang="ja-JP" altLang="en-US" dirty="0"/>
+          </a:p>
+        </p:txBody>
+      </p:sp>
+      <p:sp>
+        <p:nvSpPr>
+          <p:cNvPr id="7" name="テキスト ボックス 6"/>
+          <p:cNvSpPr txBox="1"/>
+          <p:nvPr/>
+        </p:nvSpPr>
+        <p:spPr>
+          <a:xfrm>
+            <a:off x="4644008" y="485476"/>
+            <a:ext cx="1774845" cy="369332"/>
+          </a:xfrm>
+          <a:prstGeom prst="rect">
+            <a:avLst/>
+          </a:prstGeom>
+          <a:noFill/>
+        </p:spPr>
+        <p:txBody>
+          <a:bodyPr wrap="none" rtlCol="0">
+            <a:spAutoFit/>
+          </a:bodyPr>
+          <a:lstStyle/>
+          <a:p>
+            <a:pPr marL="285750" indent="-285750">
+              <a:buFont typeface="Wingdings" panose="05000000000000000000" pitchFamily="2" charset="2"/>
+              <a:buChar char="u"/>
+            </a:pPr>
+            <a:r>
+              <a:rPr kumimoji="1" lang="ja-JP" altLang="en-US" dirty="0" smtClean="0"/>
+              <a:t> </a:t>
+            </a:r>
+            <a:r>
+              <a:rPr kumimoji="1" lang="en-US" altLang="ja-JP" dirty="0" smtClean="0"/>
+              <a:t>0</a:t>
+            </a:r>
+            <a:r>
+              <a:rPr kumimoji="1" lang="ja-JP" altLang="en-US" dirty="0" smtClean="0"/>
+              <a:t>階での動作</a:t>
+            </a:r>
+            <a:endParaRPr kumimoji="1" lang="ja-JP" altLang="en-US" dirty="0"/>
+          </a:p>
+        </p:txBody>
+      </p:sp>
       <p:pic>
         <p:nvPicPr>
-          <p:cNvPr id="27" name="図 26"/>
+          <p:cNvPr id="3" name="図 2"/>
           <p:cNvPicPr>
             <a:picLocks noChangeAspect="1"/>
           </p:cNvPicPr>
@@ -20068,8 +20084,8 @@
         </p:blipFill>
         <p:spPr>
           <a:xfrm>
-            <a:off x="4459356" y="873292"/>
-            <a:ext cx="4517947" cy="5804744"/>
+            <a:off x="323528" y="908720"/>
+            <a:ext cx="4023811" cy="5753136"/>
           </a:xfrm>
           <a:prstGeom prst="rect">
             <a:avLst/>
@@ -20207,6 +20223,90 @@
           </a:prstGeom>
         </p:spPr>
       </p:pic>
+      <p:sp>
+        <p:nvSpPr>
+          <p:cNvPr id="5" name="テキスト ボックス 4"/>
+          <p:cNvSpPr txBox="1"/>
+          <p:nvPr/>
+        </p:nvSpPr>
+        <p:spPr>
+          <a:xfrm>
+            <a:off x="827584" y="183580"/>
+            <a:ext cx="1774845" cy="369332"/>
+          </a:xfrm>
+          <a:prstGeom prst="rect">
+            <a:avLst/>
+          </a:prstGeom>
+          <a:noFill/>
+        </p:spPr>
+        <p:txBody>
+          <a:bodyPr wrap="none" rtlCol="0">
+            <a:spAutoFit/>
+          </a:bodyPr>
+          <a:lstStyle/>
+          <a:p>
+            <a:pPr marL="285750" indent="-285750">
+              <a:buFont typeface="Wingdings" panose="05000000000000000000" pitchFamily="2" charset="2"/>
+              <a:buChar char="u"/>
+            </a:pPr>
+            <a:r>
+              <a:rPr kumimoji="1" lang="ja-JP" altLang="en-US" dirty="0" smtClean="0"/>
+              <a:t> </a:t>
+            </a:r>
+            <a:r>
+              <a:rPr kumimoji="1" lang="en-US" altLang="ja-JP" dirty="0" smtClean="0"/>
+              <a:t>1</a:t>
+            </a:r>
+            <a:r>
+              <a:rPr kumimoji="1" lang="ja-JP" altLang="en-US" dirty="0" smtClean="0"/>
+              <a:t>階での動作</a:t>
+            </a:r>
+            <a:endParaRPr kumimoji="1" lang="ja-JP" altLang="en-US" dirty="0"/>
+          </a:p>
+        </p:txBody>
+      </p:sp>
+      <p:sp>
+        <p:nvSpPr>
+          <p:cNvPr id="6" name="テキスト ボックス 5"/>
+          <p:cNvSpPr txBox="1"/>
+          <p:nvPr/>
+        </p:nvSpPr>
+        <p:spPr>
+          <a:xfrm>
+            <a:off x="4666996" y="179348"/>
+            <a:ext cx="1774845" cy="369332"/>
+          </a:xfrm>
+          <a:prstGeom prst="rect">
+            <a:avLst/>
+          </a:prstGeom>
+          <a:noFill/>
+        </p:spPr>
+        <p:txBody>
+          <a:bodyPr wrap="none" rtlCol="0">
+            <a:spAutoFit/>
+          </a:bodyPr>
+          <a:lstStyle/>
+          <a:p>
+            <a:pPr marL="285750" indent="-285750">
+              <a:buFont typeface="Wingdings" panose="05000000000000000000" pitchFamily="2" charset="2"/>
+              <a:buChar char="u"/>
+            </a:pPr>
+            <a:r>
+              <a:rPr kumimoji="1" lang="ja-JP" altLang="en-US" dirty="0" smtClean="0"/>
+              <a:t> </a:t>
+            </a:r>
+            <a:r>
+              <a:rPr lang="en-US" altLang="ja-JP" dirty="0"/>
+              <a:t>2</a:t>
+            </a:r>
+            <a:r>
+              <a:rPr kumimoji="1" lang="ja-JP" altLang="en-US" dirty="0" smtClean="0"/>
+              <a:t>階での動作</a:t>
+            </a:r>
+            <a:endParaRPr kumimoji="1" lang="ja-JP" altLang="en-US" dirty="0"/>
+          </a:p>
+        </p:txBody>
+      </p:sp>
     </p:spTree>
   </p:cSld>
   <p:clrMapOvr>
